--- a/quiz_眞城博文20250507.pptx
+++ b/quiz_眞城博文20250507.pptx
@@ -265,7 +265,7 @@
           <a:p>
             <a:fld id="{E2D43317-7695-49B6-9BAC-BC6CEEBC0529}" type="datetimeFigureOut">
               <a:rPr kumimoji="1" lang="ja-JP" altLang="en-US" smtClean="0"/>
-              <a:t>2025/5/14</a:t>
+              <a:t>2025/6/18</a:t>
             </a:fld>
             <a:endParaRPr kumimoji="1" lang="ja-JP" altLang="en-US"/>
           </a:p>
@@ -495,7 +495,7 @@
           <a:p>
             <a:fld id="{E2D43317-7695-49B6-9BAC-BC6CEEBC0529}" type="datetimeFigureOut">
               <a:rPr kumimoji="1" lang="ja-JP" altLang="en-US" smtClean="0"/>
-              <a:t>2025/5/14</a:t>
+              <a:t>2025/6/18</a:t>
             </a:fld>
             <a:endParaRPr kumimoji="1" lang="ja-JP" altLang="en-US"/>
           </a:p>
@@ -735,7 +735,7 @@
           <a:p>
             <a:fld id="{E2D43317-7695-49B6-9BAC-BC6CEEBC0529}" type="datetimeFigureOut">
               <a:rPr kumimoji="1" lang="ja-JP" altLang="en-US" smtClean="0"/>
-              <a:t>2025/5/14</a:t>
+              <a:t>2025/6/18</a:t>
             </a:fld>
             <a:endParaRPr kumimoji="1" lang="ja-JP" altLang="en-US"/>
           </a:p>
@@ -965,7 +965,7 @@
           <a:p>
             <a:fld id="{E2D43317-7695-49B6-9BAC-BC6CEEBC0529}" type="datetimeFigureOut">
               <a:rPr kumimoji="1" lang="ja-JP" altLang="en-US" smtClean="0"/>
-              <a:t>2025/5/14</a:t>
+              <a:t>2025/6/18</a:t>
             </a:fld>
             <a:endParaRPr kumimoji="1" lang="ja-JP" altLang="en-US"/>
           </a:p>
@@ -1240,7 +1240,7 @@
           <a:p>
             <a:fld id="{E2D43317-7695-49B6-9BAC-BC6CEEBC0529}" type="datetimeFigureOut">
               <a:rPr kumimoji="1" lang="ja-JP" altLang="en-US" smtClean="0"/>
-              <a:t>2025/5/14</a:t>
+              <a:t>2025/6/18</a:t>
             </a:fld>
             <a:endParaRPr kumimoji="1" lang="ja-JP" altLang="en-US"/>
           </a:p>
@@ -1569,7 +1569,7 @@
           <a:p>
             <a:fld id="{E2D43317-7695-49B6-9BAC-BC6CEEBC0529}" type="datetimeFigureOut">
               <a:rPr kumimoji="1" lang="ja-JP" altLang="en-US" smtClean="0"/>
-              <a:t>2025/5/14</a:t>
+              <a:t>2025/6/18</a:t>
             </a:fld>
             <a:endParaRPr kumimoji="1" lang="ja-JP" altLang="en-US"/>
           </a:p>
@@ -2045,7 +2045,7 @@
           <a:p>
             <a:fld id="{E2D43317-7695-49B6-9BAC-BC6CEEBC0529}" type="datetimeFigureOut">
               <a:rPr kumimoji="1" lang="ja-JP" altLang="en-US" smtClean="0"/>
-              <a:t>2025/5/14</a:t>
+              <a:t>2025/6/18</a:t>
             </a:fld>
             <a:endParaRPr kumimoji="1" lang="ja-JP" altLang="en-US"/>
           </a:p>
@@ -2186,7 +2186,7 @@
           <a:p>
             <a:fld id="{E2D43317-7695-49B6-9BAC-BC6CEEBC0529}" type="datetimeFigureOut">
               <a:rPr kumimoji="1" lang="ja-JP" altLang="en-US" smtClean="0"/>
-              <a:t>2025/5/14</a:t>
+              <a:t>2025/6/18</a:t>
             </a:fld>
             <a:endParaRPr kumimoji="1" lang="ja-JP" altLang="en-US"/>
           </a:p>
@@ -2299,7 +2299,7 @@
           <a:p>
             <a:fld id="{E2D43317-7695-49B6-9BAC-BC6CEEBC0529}" type="datetimeFigureOut">
               <a:rPr kumimoji="1" lang="ja-JP" altLang="en-US" smtClean="0"/>
-              <a:t>2025/5/14</a:t>
+              <a:t>2025/6/18</a:t>
             </a:fld>
             <a:endParaRPr kumimoji="1" lang="ja-JP" altLang="en-US"/>
           </a:p>
@@ -2642,7 +2642,7 @@
           <a:p>
             <a:fld id="{E2D43317-7695-49B6-9BAC-BC6CEEBC0529}" type="datetimeFigureOut">
               <a:rPr kumimoji="1" lang="ja-JP" altLang="en-US" smtClean="0"/>
-              <a:t>2025/5/14</a:t>
+              <a:t>2025/6/18</a:t>
             </a:fld>
             <a:endParaRPr kumimoji="1" lang="ja-JP" altLang="en-US"/>
           </a:p>
@@ -2930,7 +2930,7 @@
           <a:p>
             <a:fld id="{E2D43317-7695-49B6-9BAC-BC6CEEBC0529}" type="datetimeFigureOut">
               <a:rPr kumimoji="1" lang="ja-JP" altLang="en-US" smtClean="0"/>
-              <a:t>2025/5/14</a:t>
+              <a:t>2025/6/18</a:t>
             </a:fld>
             <a:endParaRPr kumimoji="1" lang="ja-JP" altLang="en-US"/>
           </a:p>
@@ -3203,7 +3203,7 @@
           <a:p>
             <a:fld id="{E2D43317-7695-49B6-9BAC-BC6CEEBC0529}" type="datetimeFigureOut">
               <a:rPr kumimoji="1" lang="ja-JP" altLang="en-US" smtClean="0"/>
-              <a:t>2025/5/14</a:t>
+              <a:t>2025/6/18</a:t>
             </a:fld>
             <a:endParaRPr kumimoji="1" lang="ja-JP" altLang="en-US"/>
           </a:p>
@@ -4122,7 +4122,7 @@
             </a:pPr>
             <a:r>
               <a:rPr kumimoji="1" lang="ja-JP" altLang="en-US" dirty="0"/>
-              <a:t>のクイズができるアプリ</a:t>
+              <a:t>雑学のクイズができるアプリ</a:t>
             </a:r>
           </a:p>
         </p:txBody>

--- a/quiz_眞城博文20250507.pptx
+++ b/quiz_眞城博文20250507.pptx
@@ -265,7 +265,7 @@
           <a:p>
             <a:fld id="{E2D43317-7695-49B6-9BAC-BC6CEEBC0529}" type="datetimeFigureOut">
               <a:rPr kumimoji="1" lang="ja-JP" altLang="en-US" smtClean="0"/>
-              <a:t>2025/6/18</a:t>
+              <a:t>2025/7/2</a:t>
             </a:fld>
             <a:endParaRPr kumimoji="1" lang="ja-JP" altLang="en-US"/>
           </a:p>
@@ -495,7 +495,7 @@
           <a:p>
             <a:fld id="{E2D43317-7695-49B6-9BAC-BC6CEEBC0529}" type="datetimeFigureOut">
               <a:rPr kumimoji="1" lang="ja-JP" altLang="en-US" smtClean="0"/>
-              <a:t>2025/6/18</a:t>
+              <a:t>2025/7/2</a:t>
             </a:fld>
             <a:endParaRPr kumimoji="1" lang="ja-JP" altLang="en-US"/>
           </a:p>
@@ -735,7 +735,7 @@
           <a:p>
             <a:fld id="{E2D43317-7695-49B6-9BAC-BC6CEEBC0529}" type="datetimeFigureOut">
               <a:rPr kumimoji="1" lang="ja-JP" altLang="en-US" smtClean="0"/>
-              <a:t>2025/6/18</a:t>
+              <a:t>2025/7/2</a:t>
             </a:fld>
             <a:endParaRPr kumimoji="1" lang="ja-JP" altLang="en-US"/>
           </a:p>
@@ -965,7 +965,7 @@
           <a:p>
             <a:fld id="{E2D43317-7695-49B6-9BAC-BC6CEEBC0529}" type="datetimeFigureOut">
               <a:rPr kumimoji="1" lang="ja-JP" altLang="en-US" smtClean="0"/>
-              <a:t>2025/6/18</a:t>
+              <a:t>2025/7/2</a:t>
             </a:fld>
             <a:endParaRPr kumimoji="1" lang="ja-JP" altLang="en-US"/>
           </a:p>
@@ -1240,7 +1240,7 @@
           <a:p>
             <a:fld id="{E2D43317-7695-49B6-9BAC-BC6CEEBC0529}" type="datetimeFigureOut">
               <a:rPr kumimoji="1" lang="ja-JP" altLang="en-US" smtClean="0"/>
-              <a:t>2025/6/18</a:t>
+              <a:t>2025/7/2</a:t>
             </a:fld>
             <a:endParaRPr kumimoji="1" lang="ja-JP" altLang="en-US"/>
           </a:p>
@@ -1569,7 +1569,7 @@
           <a:p>
             <a:fld id="{E2D43317-7695-49B6-9BAC-BC6CEEBC0529}" type="datetimeFigureOut">
               <a:rPr kumimoji="1" lang="ja-JP" altLang="en-US" smtClean="0"/>
-              <a:t>2025/6/18</a:t>
+              <a:t>2025/7/2</a:t>
             </a:fld>
             <a:endParaRPr kumimoji="1" lang="ja-JP" altLang="en-US"/>
           </a:p>
@@ -2045,7 +2045,7 @@
           <a:p>
             <a:fld id="{E2D43317-7695-49B6-9BAC-BC6CEEBC0529}" type="datetimeFigureOut">
               <a:rPr kumimoji="1" lang="ja-JP" altLang="en-US" smtClean="0"/>
-              <a:t>2025/6/18</a:t>
+              <a:t>2025/7/2</a:t>
             </a:fld>
             <a:endParaRPr kumimoji="1" lang="ja-JP" altLang="en-US"/>
           </a:p>
@@ -2186,7 +2186,7 @@
           <a:p>
             <a:fld id="{E2D43317-7695-49B6-9BAC-BC6CEEBC0529}" type="datetimeFigureOut">
               <a:rPr kumimoji="1" lang="ja-JP" altLang="en-US" smtClean="0"/>
-              <a:t>2025/6/18</a:t>
+              <a:t>2025/7/2</a:t>
             </a:fld>
             <a:endParaRPr kumimoji="1" lang="ja-JP" altLang="en-US"/>
           </a:p>
@@ -2299,7 +2299,7 @@
           <a:p>
             <a:fld id="{E2D43317-7695-49B6-9BAC-BC6CEEBC0529}" type="datetimeFigureOut">
               <a:rPr kumimoji="1" lang="ja-JP" altLang="en-US" smtClean="0"/>
-              <a:t>2025/6/18</a:t>
+              <a:t>2025/7/2</a:t>
             </a:fld>
             <a:endParaRPr kumimoji="1" lang="ja-JP" altLang="en-US"/>
           </a:p>
@@ -2642,7 +2642,7 @@
           <a:p>
             <a:fld id="{E2D43317-7695-49B6-9BAC-BC6CEEBC0529}" type="datetimeFigureOut">
               <a:rPr kumimoji="1" lang="ja-JP" altLang="en-US" smtClean="0"/>
-              <a:t>2025/6/18</a:t>
+              <a:t>2025/7/2</a:t>
             </a:fld>
             <a:endParaRPr kumimoji="1" lang="ja-JP" altLang="en-US"/>
           </a:p>
@@ -2930,7 +2930,7 @@
           <a:p>
             <a:fld id="{E2D43317-7695-49B6-9BAC-BC6CEEBC0529}" type="datetimeFigureOut">
               <a:rPr kumimoji="1" lang="ja-JP" altLang="en-US" smtClean="0"/>
-              <a:t>2025/6/18</a:t>
+              <a:t>2025/7/2</a:t>
             </a:fld>
             <a:endParaRPr kumimoji="1" lang="ja-JP" altLang="en-US"/>
           </a:p>
@@ -3203,7 +3203,7 @@
           <a:p>
             <a:fld id="{E2D43317-7695-49B6-9BAC-BC6CEEBC0529}" type="datetimeFigureOut">
               <a:rPr kumimoji="1" lang="ja-JP" altLang="en-US" smtClean="0"/>
-              <a:t>2025/6/18</a:t>
+              <a:t>2025/7/2</a:t>
             </a:fld>
             <a:endParaRPr kumimoji="1" lang="ja-JP" altLang="en-US"/>
           </a:p>
@@ -3606,6 +3606,17 @@
 <file path=ppt/slides/slide1.xml><?xml version="1.0" encoding="utf-8"?>
 <p:sld xmlns:a="http://schemas.openxmlformats.org/drawingml/2006/main" xmlns:r="http://schemas.openxmlformats.org/officeDocument/2006/relationships" xmlns:p="http://schemas.openxmlformats.org/presentationml/2006/main">
   <p:cSld>
+    <p:bg>
+      <p:bgPr>
+        <a:solidFill>
+          <a:schemeClr val="accent2">
+            <a:lumMod val="40000"/>
+            <a:lumOff val="60000"/>
+          </a:schemeClr>
+        </a:solidFill>
+        <a:effectLst/>
+      </p:bgPr>
+    </p:bg>
     <p:spTree>
       <p:nvGrpSpPr>
         <p:cNvPr id="1" name=""/>
@@ -3696,6 +3707,14 @@
 <file path=ppt/slides/slide2.xml><?xml version="1.0" encoding="utf-8"?>
 <p:sld xmlns:a="http://schemas.openxmlformats.org/drawingml/2006/main" xmlns:r="http://schemas.openxmlformats.org/officeDocument/2006/relationships" xmlns:p="http://schemas.openxmlformats.org/presentationml/2006/main">
   <p:cSld>
+    <p:bg>
+      <p:bgPr>
+        <a:solidFill>
+          <a:schemeClr val="bg1"/>
+        </a:solidFill>
+        <a:effectLst/>
+      </p:bgPr>
+    </p:bg>
     <p:spTree>
       <p:nvGrpSpPr>
         <p:cNvPr id="1" name=""/>
@@ -3726,7 +3745,18 @@
             <p:ph type="title"/>
           </p:nvPr>
         </p:nvSpPr>
-        <p:spPr/>
+        <p:spPr>
+          <a:xfrm>
+            <a:off x="0" y="1"/>
+            <a:ext cx="12192000" cy="1713186"/>
+          </a:xfrm>
+          <a:solidFill>
+            <a:schemeClr val="accent2">
+              <a:lumMod val="40000"/>
+              <a:lumOff val="60000"/>
+            </a:schemeClr>
+          </a:solidFill>
+        </p:spPr>
         <p:txBody>
           <a:bodyPr/>
           <a:lstStyle/>
@@ -3754,46 +3784,90 @@
             <p:ph idx="1"/>
           </p:nvPr>
         </p:nvSpPr>
-        <p:spPr/>
-        <p:txBody>
-          <a:bodyPr/>
-          <a:lstStyle/>
-          <a:p>
-            <a:r>
-              <a:rPr lang="ja-JP" altLang="en-US" dirty="0"/>
+        <p:spPr>
+          <a:xfrm>
+            <a:off x="-1" y="1713187"/>
+            <a:ext cx="12191999" cy="5144812"/>
+          </a:xfrm>
+          <a:solidFill>
+            <a:srgbClr val="FFC000"/>
+          </a:solidFill>
+        </p:spPr>
+        <p:txBody>
+          <a:bodyPr/>
+          <a:lstStyle/>
+          <a:p>
+            <a:endParaRPr lang="en-US" altLang="ja-JP" dirty="0"/>
+          </a:p>
+          <a:p>
+            <a:r>
+              <a:rPr lang="ja-JP" altLang="en-US" dirty="0">
+                <a:latin typeface="BIZ UDPゴシック" panose="020B0400000000000000" pitchFamily="50" charset="-128"/>
+                <a:ea typeface="BIZ UDPゴシック" panose="020B0400000000000000" pitchFamily="50" charset="-128"/>
+              </a:rPr>
               <a:t>クイズアプリ</a:t>
             </a:r>
-            <a:endParaRPr lang="en-US" altLang="ja-JP" dirty="0"/>
-          </a:p>
-          <a:p>
-            <a:endParaRPr lang="en-US" altLang="ja-JP" dirty="0"/>
-          </a:p>
-          <a:p>
-            <a:r>
-              <a:rPr lang="ja-JP" altLang="en-US" dirty="0"/>
+            <a:endParaRPr lang="en-US" altLang="ja-JP" dirty="0">
+              <a:latin typeface="BIZ UDPゴシック" panose="020B0400000000000000" pitchFamily="50" charset="-128"/>
+              <a:ea typeface="BIZ UDPゴシック" panose="020B0400000000000000" pitchFamily="50" charset="-128"/>
+            </a:endParaRPr>
+          </a:p>
+          <a:p>
+            <a:endParaRPr lang="en-US" altLang="ja-JP" dirty="0">
+              <a:latin typeface="BIZ UDPゴシック" panose="020B0400000000000000" pitchFamily="50" charset="-128"/>
+              <a:ea typeface="BIZ UDPゴシック" panose="020B0400000000000000" pitchFamily="50" charset="-128"/>
+            </a:endParaRPr>
+          </a:p>
+          <a:p>
+            <a:r>
+              <a:rPr lang="ja-JP" altLang="en-US" dirty="0">
+                <a:latin typeface="BIZ UDPゴシック" panose="020B0400000000000000" pitchFamily="50" charset="-128"/>
+                <a:ea typeface="BIZ UDPゴシック" panose="020B0400000000000000" pitchFamily="50" charset="-128"/>
+              </a:rPr>
               <a:t>タイトル画面→クイズ画面→結果画面</a:t>
             </a:r>
-            <a:endParaRPr lang="en-US" altLang="ja-JP" dirty="0"/>
-          </a:p>
-          <a:p>
-            <a:endParaRPr lang="en-US" altLang="ja-JP" dirty="0"/>
-          </a:p>
-          <a:p>
-            <a:r>
-              <a:rPr lang="ja-JP" altLang="en-US" dirty="0"/>
+            <a:endParaRPr lang="en-US" altLang="ja-JP" dirty="0">
+              <a:latin typeface="BIZ UDPゴシック" panose="020B0400000000000000" pitchFamily="50" charset="-128"/>
+              <a:ea typeface="BIZ UDPゴシック" panose="020B0400000000000000" pitchFamily="50" charset="-128"/>
+            </a:endParaRPr>
+          </a:p>
+          <a:p>
+            <a:endParaRPr lang="en-US" altLang="ja-JP" dirty="0">
+              <a:latin typeface="BIZ UDPゴシック" panose="020B0400000000000000" pitchFamily="50" charset="-128"/>
+              <a:ea typeface="BIZ UDPゴシック" panose="020B0400000000000000" pitchFamily="50" charset="-128"/>
+            </a:endParaRPr>
+          </a:p>
+          <a:p>
+            <a:r>
+              <a:rPr lang="ja-JP" altLang="en-US" dirty="0">
+                <a:latin typeface="BIZ UDPゴシック" panose="020B0400000000000000" pitchFamily="50" charset="-128"/>
+                <a:ea typeface="BIZ UDPゴシック" panose="020B0400000000000000" pitchFamily="50" charset="-128"/>
+              </a:rPr>
               <a:t>クイズを何問か出してスコアを出す</a:t>
             </a:r>
-            <a:endParaRPr lang="en-US" altLang="ja-JP" dirty="0"/>
-          </a:p>
-          <a:p>
-            <a:endParaRPr lang="en-US" altLang="ja-JP" dirty="0"/>
-          </a:p>
-          <a:p>
-            <a:r>
-              <a:rPr lang="ja-JP" altLang="en-US" dirty="0"/>
+            <a:endParaRPr lang="en-US" altLang="ja-JP" dirty="0">
+              <a:latin typeface="BIZ UDPゴシック" panose="020B0400000000000000" pitchFamily="50" charset="-128"/>
+              <a:ea typeface="BIZ UDPゴシック" panose="020B0400000000000000" pitchFamily="50" charset="-128"/>
+            </a:endParaRPr>
+          </a:p>
+          <a:p>
+            <a:endParaRPr lang="en-US" altLang="ja-JP" dirty="0">
+              <a:latin typeface="BIZ UDPゴシック" panose="020B0400000000000000" pitchFamily="50" charset="-128"/>
+              <a:ea typeface="BIZ UDPゴシック" panose="020B0400000000000000" pitchFamily="50" charset="-128"/>
+            </a:endParaRPr>
+          </a:p>
+          <a:p>
+            <a:r>
+              <a:rPr lang="ja-JP" altLang="en-US" dirty="0">
+                <a:latin typeface="BIZ UDPゴシック" panose="020B0400000000000000" pitchFamily="50" charset="-128"/>
+                <a:ea typeface="BIZ UDPゴシック" panose="020B0400000000000000" pitchFamily="50" charset="-128"/>
+              </a:rPr>
               <a:t>初級、中級、上級などのランクも作りたい</a:t>
             </a:r>
-            <a:endParaRPr lang="en-US" altLang="ja-JP" dirty="0"/>
+            <a:endParaRPr lang="en-US" altLang="ja-JP" dirty="0">
+              <a:latin typeface="BIZ UDPゴシック" panose="020B0400000000000000" pitchFamily="50" charset="-128"/>
+              <a:ea typeface="BIZ UDPゴシック" panose="020B0400000000000000" pitchFamily="50" charset="-128"/>
+            </a:endParaRPr>
           </a:p>
         </p:txBody>
       </p:sp>
@@ -3813,6 +3887,14 @@
 <file path=ppt/slides/slide3.xml><?xml version="1.0" encoding="utf-8"?>
 <p:sld xmlns:a="http://schemas.openxmlformats.org/drawingml/2006/main" xmlns:r="http://schemas.openxmlformats.org/officeDocument/2006/relationships" xmlns:p="http://schemas.openxmlformats.org/presentationml/2006/main">
   <p:cSld>
+    <p:bg>
+      <p:bgPr>
+        <a:solidFill>
+          <a:schemeClr val="bg1"/>
+        </a:solidFill>
+        <a:effectLst/>
+      </p:bgPr>
+    </p:bg>
     <p:spTree>
       <p:nvGrpSpPr>
         <p:cNvPr id="1" name=""/>
@@ -3843,7 +3925,18 @@
             <p:ph type="title"/>
           </p:nvPr>
         </p:nvSpPr>
-        <p:spPr/>
+        <p:spPr>
+          <a:xfrm>
+            <a:off x="-1" y="1"/>
+            <a:ext cx="12297103" cy="1681654"/>
+          </a:xfrm>
+          <a:solidFill>
+            <a:schemeClr val="accent2">
+              <a:lumMod val="40000"/>
+              <a:lumOff val="60000"/>
+            </a:schemeClr>
+          </a:solidFill>
+        </p:spPr>
         <p:txBody>
           <a:bodyPr/>
           <a:lstStyle/>
@@ -3871,7 +3964,15 @@
             <p:ph idx="1"/>
           </p:nvPr>
         </p:nvSpPr>
-        <p:spPr/>
+        <p:spPr>
+          <a:xfrm>
+            <a:off x="-1" y="1681654"/>
+            <a:ext cx="12192001" cy="5176345"/>
+          </a:xfrm>
+          <a:solidFill>
+            <a:srgbClr val="FFC000"/>
+          </a:solidFill>
+        </p:spPr>
         <p:txBody>
           <a:bodyPr/>
           <a:lstStyle/>
@@ -3879,72 +3980,120 @@
             <a:pPr marL="0" indent="0">
               <a:buNone/>
             </a:pPr>
-            <a:r>
-              <a:rPr kumimoji="1" lang="ja-JP" altLang="en-US" b="1" dirty="0"/>
+            <a:endParaRPr kumimoji="1" lang="en-US" altLang="ja-JP" b="1" dirty="0"/>
+          </a:p>
+          <a:p>
+            <a:pPr marL="0" indent="0">
+              <a:buNone/>
+            </a:pPr>
+            <a:r>
+              <a:rPr kumimoji="1" lang="ja-JP" altLang="en-US" b="1" dirty="0">
+                <a:latin typeface="BIZ UDPゴシック" panose="020B0400000000000000" pitchFamily="50" charset="-128"/>
+                <a:ea typeface="BIZ UDPゴシック" panose="020B0400000000000000" pitchFamily="50" charset="-128"/>
+              </a:rPr>
               <a:t>１</a:t>
             </a:r>
             <a:r>
-              <a:rPr kumimoji="1" lang="ja-JP" altLang="en-US" dirty="0"/>
+              <a:rPr kumimoji="1" lang="ja-JP" altLang="en-US" dirty="0">
+                <a:latin typeface="BIZ UDPゴシック" panose="020B0400000000000000" pitchFamily="50" charset="-128"/>
+                <a:ea typeface="BIZ UDPゴシック" panose="020B0400000000000000" pitchFamily="50" charset="-128"/>
+              </a:rPr>
               <a:t>．技術詳細</a:t>
             </a:r>
-            <a:endParaRPr kumimoji="1" lang="en-US" altLang="ja-JP" dirty="0"/>
+            <a:endParaRPr kumimoji="1" lang="en-US" altLang="ja-JP" dirty="0">
+              <a:latin typeface="BIZ UDPゴシック" panose="020B0400000000000000" pitchFamily="50" charset="-128"/>
+              <a:ea typeface="BIZ UDPゴシック" panose="020B0400000000000000" pitchFamily="50" charset="-128"/>
+            </a:endParaRPr>
           </a:p>
           <a:p>
             <a:pPr marL="0" indent="0">
               <a:buNone/>
             </a:pPr>
-            <a:endParaRPr lang="en-US" altLang="ja-JP" dirty="0"/>
+            <a:endParaRPr lang="en-US" altLang="ja-JP" dirty="0">
+              <a:latin typeface="BIZ UDPゴシック" panose="020B0400000000000000" pitchFamily="50" charset="-128"/>
+              <a:ea typeface="BIZ UDPゴシック" panose="020B0400000000000000" pitchFamily="50" charset="-128"/>
+            </a:endParaRPr>
           </a:p>
           <a:p>
             <a:pPr marL="0" indent="0">
               <a:buNone/>
             </a:pPr>
             <a:r>
-              <a:rPr kumimoji="1" lang="ja-JP" altLang="en-US" b="1" dirty="0"/>
+              <a:rPr kumimoji="1" lang="ja-JP" altLang="en-US" b="1" dirty="0">
+                <a:latin typeface="BIZ UDPゴシック" panose="020B0400000000000000" pitchFamily="50" charset="-128"/>
+                <a:ea typeface="BIZ UDPゴシック" panose="020B0400000000000000" pitchFamily="50" charset="-128"/>
+              </a:rPr>
               <a:t>２</a:t>
             </a:r>
             <a:r>
-              <a:rPr kumimoji="1" lang="ja-JP" altLang="en-US" dirty="0"/>
+              <a:rPr kumimoji="1" lang="ja-JP" altLang="en-US" dirty="0">
+                <a:latin typeface="BIZ UDPゴシック" panose="020B0400000000000000" pitchFamily="50" charset="-128"/>
+                <a:ea typeface="BIZ UDPゴシック" panose="020B0400000000000000" pitchFamily="50" charset="-128"/>
+              </a:rPr>
               <a:t>．概要</a:t>
             </a:r>
-            <a:endParaRPr kumimoji="1" lang="en-US" altLang="ja-JP" dirty="0"/>
+            <a:endParaRPr kumimoji="1" lang="en-US" altLang="ja-JP" dirty="0">
+              <a:latin typeface="BIZ UDPゴシック" panose="020B0400000000000000" pitchFamily="50" charset="-128"/>
+              <a:ea typeface="BIZ UDPゴシック" panose="020B0400000000000000" pitchFamily="50" charset="-128"/>
+            </a:endParaRPr>
           </a:p>
           <a:p>
             <a:pPr marL="0" indent="0">
               <a:buNone/>
             </a:pPr>
-            <a:endParaRPr lang="en-US" altLang="ja-JP" dirty="0"/>
+            <a:endParaRPr lang="en-US" altLang="ja-JP" dirty="0">
+              <a:latin typeface="BIZ UDPゴシック" panose="020B0400000000000000" pitchFamily="50" charset="-128"/>
+              <a:ea typeface="BIZ UDPゴシック" panose="020B0400000000000000" pitchFamily="50" charset="-128"/>
+            </a:endParaRPr>
           </a:p>
           <a:p>
             <a:pPr marL="0" indent="0">
               <a:buNone/>
             </a:pPr>
             <a:r>
-              <a:rPr kumimoji="1" lang="ja-JP" altLang="en-US" b="1" dirty="0"/>
+              <a:rPr kumimoji="1" lang="ja-JP" altLang="en-US" b="1" dirty="0">
+                <a:latin typeface="BIZ UDPゴシック" panose="020B0400000000000000" pitchFamily="50" charset="-128"/>
+                <a:ea typeface="BIZ UDPゴシック" panose="020B0400000000000000" pitchFamily="50" charset="-128"/>
+              </a:rPr>
               <a:t>３</a:t>
             </a:r>
             <a:r>
-              <a:rPr kumimoji="1" lang="ja-JP" altLang="en-US" dirty="0"/>
+              <a:rPr kumimoji="1" lang="ja-JP" altLang="en-US" dirty="0">
+                <a:latin typeface="BIZ UDPゴシック" panose="020B0400000000000000" pitchFamily="50" charset="-128"/>
+                <a:ea typeface="BIZ UDPゴシック" panose="020B0400000000000000" pitchFamily="50" charset="-128"/>
+              </a:rPr>
               <a:t>．実機説明</a:t>
             </a:r>
-            <a:endParaRPr kumimoji="1" lang="en-US" altLang="ja-JP" dirty="0"/>
+            <a:endParaRPr kumimoji="1" lang="en-US" altLang="ja-JP" dirty="0">
+              <a:latin typeface="BIZ UDPゴシック" panose="020B0400000000000000" pitchFamily="50" charset="-128"/>
+              <a:ea typeface="BIZ UDPゴシック" panose="020B0400000000000000" pitchFamily="50" charset="-128"/>
+            </a:endParaRPr>
           </a:p>
           <a:p>
             <a:pPr marL="0" indent="0">
               <a:buNone/>
             </a:pPr>
-            <a:endParaRPr lang="en-US" altLang="ja-JP" dirty="0"/>
+            <a:endParaRPr lang="en-US" altLang="ja-JP" dirty="0">
+              <a:latin typeface="BIZ UDPゴシック" panose="020B0400000000000000" pitchFamily="50" charset="-128"/>
+              <a:ea typeface="BIZ UDPゴシック" panose="020B0400000000000000" pitchFamily="50" charset="-128"/>
+            </a:endParaRPr>
           </a:p>
           <a:p>
             <a:pPr marL="0" indent="0">
               <a:buNone/>
             </a:pPr>
             <a:r>
-              <a:rPr kumimoji="1" lang="ja-JP" altLang="en-US" b="1" dirty="0"/>
+              <a:rPr kumimoji="1" lang="ja-JP" altLang="en-US" b="1" dirty="0">
+                <a:latin typeface="BIZ UDPゴシック" panose="020B0400000000000000" pitchFamily="50" charset="-128"/>
+                <a:ea typeface="BIZ UDPゴシック" panose="020B0400000000000000" pitchFamily="50" charset="-128"/>
+              </a:rPr>
               <a:t>４</a:t>
             </a:r>
             <a:r>
-              <a:rPr kumimoji="1" lang="ja-JP" altLang="en-US" dirty="0"/>
+              <a:rPr kumimoji="1" lang="ja-JP" altLang="en-US" dirty="0">
+                <a:latin typeface="BIZ UDPゴシック" panose="020B0400000000000000" pitchFamily="50" charset="-128"/>
+                <a:ea typeface="BIZ UDPゴシック" panose="020B0400000000000000" pitchFamily="50" charset="-128"/>
+              </a:rPr>
               <a:t>．改善</a:t>
             </a:r>
           </a:p>
@@ -3966,6 +4115,14 @@
 <file path=ppt/slides/slide4.xml><?xml version="1.0" encoding="utf-8"?>
 <p:sld xmlns:a="http://schemas.openxmlformats.org/drawingml/2006/main" xmlns:r="http://schemas.openxmlformats.org/officeDocument/2006/relationships" xmlns:p="http://schemas.openxmlformats.org/presentationml/2006/main">
   <p:cSld>
+    <p:bg>
+      <p:bgPr>
+        <a:solidFill>
+          <a:schemeClr val="bg1"/>
+        </a:solidFill>
+        <a:effectLst/>
+      </p:bgPr>
+    </p:bg>
     <p:spTree>
       <p:nvGrpSpPr>
         <p:cNvPr id="1" name=""/>
@@ -3996,7 +4153,18 @@
             <p:ph type="title"/>
           </p:nvPr>
         </p:nvSpPr>
-        <p:spPr/>
+        <p:spPr>
+          <a:xfrm>
+            <a:off x="0" y="0"/>
+            <a:ext cx="12192000" cy="1825625"/>
+          </a:xfrm>
+          <a:solidFill>
+            <a:schemeClr val="accent2">
+              <a:lumMod val="40000"/>
+              <a:lumOff val="60000"/>
+            </a:schemeClr>
+          </a:solidFill>
+        </p:spPr>
         <p:txBody>
           <a:bodyPr/>
           <a:lstStyle/>
@@ -4024,12 +4192,23 @@
             <p:ph idx="1"/>
           </p:nvPr>
         </p:nvSpPr>
-        <p:spPr/>
-        <p:txBody>
-          <a:bodyPr/>
-          <a:lstStyle/>
-          <a:p>
-            <a:endParaRPr kumimoji="1" lang="ja-JP" altLang="en-US" dirty="0"/>
+        <p:spPr>
+          <a:xfrm>
+            <a:off x="0" y="1825624"/>
+            <a:ext cx="12192000" cy="5032375"/>
+          </a:xfrm>
+          <a:solidFill>
+            <a:srgbClr val="FFC000"/>
+          </a:solidFill>
+        </p:spPr>
+        <p:txBody>
+          <a:bodyPr/>
+          <a:lstStyle/>
+          <a:p>
+            <a:endParaRPr kumimoji="1" lang="ja-JP" altLang="en-US" dirty="0">
+              <a:latin typeface="BIZ UDPゴシック" panose="020B0400000000000000" pitchFamily="50" charset="-128"/>
+              <a:ea typeface="BIZ UDPゴシック" panose="020B0400000000000000" pitchFamily="50" charset="-128"/>
+            </a:endParaRPr>
           </a:p>
         </p:txBody>
       </p:sp>
@@ -4079,7 +4258,18 @@
             <p:ph type="title"/>
           </p:nvPr>
         </p:nvSpPr>
-        <p:spPr/>
+        <p:spPr>
+          <a:xfrm>
+            <a:off x="0" y="-73571"/>
+            <a:ext cx="12192000" cy="1881350"/>
+          </a:xfrm>
+          <a:solidFill>
+            <a:schemeClr val="accent2">
+              <a:lumMod val="40000"/>
+              <a:lumOff val="60000"/>
+            </a:schemeClr>
+          </a:solidFill>
+        </p:spPr>
         <p:txBody>
           <a:bodyPr/>
           <a:lstStyle/>
@@ -4109,9 +4299,12 @@
         </p:nvSpPr>
         <p:spPr>
           <a:xfrm>
-            <a:off x="1028700" y="3429000"/>
-            <a:ext cx="10134600" cy="4230176"/>
+            <a:off x="0" y="1807779"/>
+            <a:ext cx="12192000" cy="5050221"/>
           </a:xfrm>
+          <a:solidFill>
+            <a:srgbClr val="FFC000"/>
+          </a:solidFill>
         </p:spPr>
         <p:txBody>
           <a:bodyPr/>
@@ -4120,8 +4313,29 @@
             <a:pPr marL="0" indent="0">
               <a:buNone/>
             </a:pPr>
-            <a:r>
-              <a:rPr kumimoji="1" lang="ja-JP" altLang="en-US" dirty="0"/>
+            <a:endParaRPr kumimoji="1" lang="en-US" altLang="ja-JP" dirty="0"/>
+          </a:p>
+          <a:p>
+            <a:pPr marL="0" indent="0">
+              <a:buNone/>
+            </a:pPr>
+            <a:endParaRPr lang="en-US" altLang="ja-JP" dirty="0"/>
+          </a:p>
+          <a:p>
+            <a:pPr marL="0" indent="0">
+              <a:buNone/>
+            </a:pPr>
+            <a:endParaRPr kumimoji="1" lang="en-US" altLang="ja-JP" dirty="0"/>
+          </a:p>
+          <a:p>
+            <a:pPr marL="0" indent="0">
+              <a:buNone/>
+            </a:pPr>
+            <a:r>
+              <a:rPr kumimoji="1" lang="ja-JP" altLang="en-US" dirty="0">
+                <a:latin typeface="BIZ UDPゴシック" panose="020B0400000000000000" pitchFamily="50" charset="-128"/>
+                <a:ea typeface="BIZ UDPゴシック" panose="020B0400000000000000" pitchFamily="50" charset="-128"/>
+              </a:rPr>
               <a:t>雑学のクイズができるアプリ</a:t>
             </a:r>
           </a:p>
@@ -4143,6 +4357,17 @@
 <file path=ppt/slides/slide6.xml><?xml version="1.0" encoding="utf-8"?>
 <p:sld xmlns:a="http://schemas.openxmlformats.org/drawingml/2006/main" xmlns:r="http://schemas.openxmlformats.org/officeDocument/2006/relationships" xmlns:p="http://schemas.openxmlformats.org/presentationml/2006/main">
   <p:cSld>
+    <p:bg>
+      <p:bgPr>
+        <a:solidFill>
+          <a:schemeClr val="accent2">
+            <a:lumMod val="40000"/>
+            <a:lumOff val="60000"/>
+          </a:schemeClr>
+        </a:solidFill>
+        <a:effectLst/>
+      </p:bgPr>
+    </p:bg>
     <p:spTree>
       <p:nvGrpSpPr>
         <p:cNvPr id="1" name=""/>
@@ -4236,7 +4461,18 @@
             <p:ph type="title"/>
           </p:nvPr>
         </p:nvSpPr>
-        <p:spPr/>
+        <p:spPr>
+          <a:xfrm>
+            <a:off x="0" y="0"/>
+            <a:ext cx="12192000" cy="1713185"/>
+          </a:xfrm>
+          <a:solidFill>
+            <a:schemeClr val="accent2">
+              <a:lumMod val="40000"/>
+              <a:lumOff val="60000"/>
+            </a:schemeClr>
+          </a:solidFill>
+        </p:spPr>
         <p:txBody>
           <a:bodyPr/>
           <a:lstStyle/>
@@ -4264,12 +4500,23 @@
             <p:ph idx="1"/>
           </p:nvPr>
         </p:nvSpPr>
-        <p:spPr/>
-        <p:txBody>
-          <a:bodyPr/>
-          <a:lstStyle/>
-          <a:p>
-            <a:endParaRPr kumimoji="1" lang="ja-JP" altLang="en-US"/>
+        <p:spPr>
+          <a:xfrm>
+            <a:off x="0" y="1713184"/>
+            <a:ext cx="12191999" cy="5144815"/>
+          </a:xfrm>
+          <a:solidFill>
+            <a:srgbClr val="FFC000"/>
+          </a:solidFill>
+        </p:spPr>
+        <p:txBody>
+          <a:bodyPr/>
+          <a:lstStyle/>
+          <a:p>
+            <a:endParaRPr kumimoji="1" lang="ja-JP" altLang="en-US" dirty="0">
+              <a:latin typeface="BIZ UDPゴシック" panose="020B0400000000000000" pitchFamily="50" charset="-128"/>
+              <a:ea typeface="BIZ UDPゴシック" panose="020B0400000000000000" pitchFamily="50" charset="-128"/>
+            </a:endParaRPr>
           </a:p>
         </p:txBody>
       </p:sp>
